--- a/Presentation/Presentation.pptx
+++ b/Presentation/Presentation.pptx
@@ -19900,7 +19900,7 @@
         </p:nvSpPr>
         <p:spPr>
           <a:xfrm>
-            <a:off x="1068656" y="1112200"/>
+            <a:off x="1068656" y="1343019"/>
             <a:ext cx="1453800" cy="457200"/>
           </a:xfrm>
           <a:prstGeom prst="rect">
@@ -19958,7 +19958,7 @@
         </p:nvSpPr>
         <p:spPr>
           <a:xfrm>
-            <a:off x="713225" y="1163050"/>
+            <a:off x="713225" y="1393869"/>
             <a:ext cx="355500" cy="355500"/>
           </a:xfrm>
           <a:prstGeom prst="rect">
@@ -19998,7 +19998,7 @@
         </p:nvSpPr>
         <p:spPr>
           <a:xfrm>
-            <a:off x="1068656" y="1883932"/>
+            <a:off x="1068656" y="2114751"/>
             <a:ext cx="1453800" cy="457200"/>
           </a:xfrm>
           <a:prstGeom prst="rect">
@@ -20056,7 +20056,7 @@
         </p:nvSpPr>
         <p:spPr>
           <a:xfrm>
-            <a:off x="713225" y="1934782"/>
+            <a:off x="713225" y="2165601"/>
             <a:ext cx="355500" cy="355500"/>
           </a:xfrm>
           <a:prstGeom prst="rect">
@@ -20096,7 +20096,7 @@
         </p:nvSpPr>
         <p:spPr>
           <a:xfrm>
-            <a:off x="1068656" y="2677378"/>
+            <a:off x="1068656" y="2908197"/>
             <a:ext cx="1453800" cy="457200"/>
           </a:xfrm>
           <a:prstGeom prst="rect">
@@ -20154,7 +20154,7 @@
         </p:nvSpPr>
         <p:spPr>
           <a:xfrm>
-            <a:off x="713225" y="2728228"/>
+            <a:off x="713225" y="2959047"/>
             <a:ext cx="355500" cy="355500"/>
           </a:xfrm>
           <a:prstGeom prst="rect">
@@ -20204,7 +20204,7 @@
         </p:blipFill>
         <p:spPr>
           <a:xfrm>
-            <a:off x="2819531" y="1269700"/>
+            <a:off x="2819531" y="1500519"/>
             <a:ext cx="5604757" cy="2912276"/>
           </a:xfrm>
           <a:prstGeom prst="rect">
@@ -20224,7 +20224,7 @@
         </p:nvSpPr>
         <p:spPr>
           <a:xfrm>
-            <a:off x="1068655" y="3481804"/>
+            <a:off x="1068655" y="3712623"/>
             <a:ext cx="1585767" cy="457200"/>
           </a:xfrm>
           <a:prstGeom prst="rect">
@@ -20282,7 +20282,7 @@
         </p:nvSpPr>
         <p:spPr>
           <a:xfrm>
-            <a:off x="713225" y="3532654"/>
+            <a:off x="713225" y="3763473"/>
             <a:ext cx="355500" cy="355500"/>
           </a:xfrm>
           <a:prstGeom prst="rect">
@@ -25032,7 +25032,7 @@
             </a:pPr>
             <a:r>
               <a:rPr lang="en" dirty="0" smtClean="0"/>
-              <a:t>Problems in Register Storage System</a:t>
+              <a:t>Problems in local Storage System</a:t>
             </a:r>
             <a:endParaRPr dirty="0"/>
           </a:p>
@@ -25383,7 +25383,7 @@
         <p:spPr>
           <a:xfrm>
             <a:off x="3549550" y="3618436"/>
-            <a:ext cx="2040300" cy="457200"/>
+            <a:ext cx="2040300" cy="747554"/>
           </a:xfrm>
           <a:prstGeom prst="rect">
             <a:avLst/>
@@ -25753,8 +25753,8 @@
         </p:nvCxnSpPr>
         <p:spPr>
           <a:xfrm flipH="1">
-            <a:off x="4569683" y="3467073"/>
-            <a:ext cx="2700" cy="151500"/>
+            <a:off x="4569700" y="3467073"/>
+            <a:ext cx="2683" cy="151363"/>
           </a:xfrm>
           <a:prstGeom prst="straightConnector1">
             <a:avLst/>
@@ -25832,7 +25832,7 @@
         <p:spPr>
           <a:xfrm>
             <a:off x="4007025" y="1242275"/>
-            <a:ext cx="1129950" cy="457200"/>
+            <a:ext cx="1291750" cy="457200"/>
           </a:xfrm>
           <a:prstGeom prst="rect">
             <a:avLst/>
@@ -25985,10 +25985,10 @@
               <a:buNone/>
             </a:pPr>
             <a:r>
-              <a:rPr lang="en"/>
-              <a:t>ABOUT DATA SCIENCE CONSULTING INFOGRAPHICS</a:t>
+              <a:rPr lang="en" dirty="0" smtClean="0"/>
+              <a:t>Requirements</a:t>
             </a:r>
-            <a:endParaRPr/>
+            <a:endParaRPr dirty="0"/>
           </a:p>
         </p:txBody>
       </p:sp>
@@ -30040,8 +30040,8 @@
         </p:nvSpPr>
         <p:spPr>
           <a:xfrm>
-            <a:off x="7195217" y="3985766"/>
-            <a:ext cx="1823592" cy="457200"/>
+            <a:off x="7013359" y="3985766"/>
+            <a:ext cx="2187308" cy="457200"/>
           </a:xfrm>
           <a:prstGeom prst="rect">
             <a:avLst/>
